--- a/docs/source/_static/fig/fig_dhw.pptx
+++ b/docs/source/_static/fig/fig_dhw.pptx
@@ -7,6 +7,7 @@
   <p:sldIdLst>
     <p:sldId id="256" r:id="rId2"/>
     <p:sldId id="257" r:id="rId3"/>
+    <p:sldId id="258" r:id="rId4"/>
   </p:sldIdLst>
   <p:sldSz cx="12192000" cy="6858000"/>
   <p:notesSz cx="6858000" cy="9144000"/>
@@ -260,7 +261,7 @@
           <a:p>
             <a:fld id="{2BCEBECE-6873-41C3-B824-8CBA8108F9EC}" type="datetimeFigureOut">
               <a:rPr kumimoji="1" lang="ja-JP" altLang="en-US" smtClean="0"/>
-              <a:t>2021/7/14</a:t>
+              <a:t>2021/11/18</a:t>
             </a:fld>
             <a:endParaRPr kumimoji="1" lang="ja-JP" altLang="en-US"/>
           </a:p>
@@ -490,7 +491,7 @@
           <a:p>
             <a:fld id="{2BCEBECE-6873-41C3-B824-8CBA8108F9EC}" type="datetimeFigureOut">
               <a:rPr kumimoji="1" lang="ja-JP" altLang="en-US" smtClean="0"/>
-              <a:t>2021/7/14</a:t>
+              <a:t>2021/11/18</a:t>
             </a:fld>
             <a:endParaRPr kumimoji="1" lang="ja-JP" altLang="en-US"/>
           </a:p>
@@ -730,7 +731,7 @@
           <a:p>
             <a:fld id="{2BCEBECE-6873-41C3-B824-8CBA8108F9EC}" type="datetimeFigureOut">
               <a:rPr kumimoji="1" lang="ja-JP" altLang="en-US" smtClean="0"/>
-              <a:t>2021/7/14</a:t>
+              <a:t>2021/11/18</a:t>
             </a:fld>
             <a:endParaRPr kumimoji="1" lang="ja-JP" altLang="en-US"/>
           </a:p>
@@ -960,7 +961,7 @@
           <a:p>
             <a:fld id="{2BCEBECE-6873-41C3-B824-8CBA8108F9EC}" type="datetimeFigureOut">
               <a:rPr kumimoji="1" lang="ja-JP" altLang="en-US" smtClean="0"/>
-              <a:t>2021/7/14</a:t>
+              <a:t>2021/11/18</a:t>
             </a:fld>
             <a:endParaRPr kumimoji="1" lang="ja-JP" altLang="en-US"/>
           </a:p>
@@ -1235,7 +1236,7 @@
           <a:p>
             <a:fld id="{2BCEBECE-6873-41C3-B824-8CBA8108F9EC}" type="datetimeFigureOut">
               <a:rPr kumimoji="1" lang="ja-JP" altLang="en-US" smtClean="0"/>
-              <a:t>2021/7/14</a:t>
+              <a:t>2021/11/18</a:t>
             </a:fld>
             <a:endParaRPr kumimoji="1" lang="ja-JP" altLang="en-US"/>
           </a:p>
@@ -1564,7 +1565,7 @@
           <a:p>
             <a:fld id="{2BCEBECE-6873-41C3-B824-8CBA8108F9EC}" type="datetimeFigureOut">
               <a:rPr kumimoji="1" lang="ja-JP" altLang="en-US" smtClean="0"/>
-              <a:t>2021/7/14</a:t>
+              <a:t>2021/11/18</a:t>
             </a:fld>
             <a:endParaRPr kumimoji="1" lang="ja-JP" altLang="en-US"/>
           </a:p>
@@ -2040,7 +2041,7 @@
           <a:p>
             <a:fld id="{2BCEBECE-6873-41C3-B824-8CBA8108F9EC}" type="datetimeFigureOut">
               <a:rPr kumimoji="1" lang="ja-JP" altLang="en-US" smtClean="0"/>
-              <a:t>2021/7/14</a:t>
+              <a:t>2021/11/18</a:t>
             </a:fld>
             <a:endParaRPr kumimoji="1" lang="ja-JP" altLang="en-US"/>
           </a:p>
@@ -2181,7 +2182,7 @@
           <a:p>
             <a:fld id="{2BCEBECE-6873-41C3-B824-8CBA8108F9EC}" type="datetimeFigureOut">
               <a:rPr kumimoji="1" lang="ja-JP" altLang="en-US" smtClean="0"/>
-              <a:t>2021/7/14</a:t>
+              <a:t>2021/11/18</a:t>
             </a:fld>
             <a:endParaRPr kumimoji="1" lang="ja-JP" altLang="en-US"/>
           </a:p>
@@ -2294,7 +2295,7 @@
           <a:p>
             <a:fld id="{2BCEBECE-6873-41C3-B824-8CBA8108F9EC}" type="datetimeFigureOut">
               <a:rPr kumimoji="1" lang="ja-JP" altLang="en-US" smtClean="0"/>
-              <a:t>2021/7/14</a:t>
+              <a:t>2021/11/18</a:t>
             </a:fld>
             <a:endParaRPr kumimoji="1" lang="ja-JP" altLang="en-US"/>
           </a:p>
@@ -2637,7 +2638,7 @@
           <a:p>
             <a:fld id="{2BCEBECE-6873-41C3-B824-8CBA8108F9EC}" type="datetimeFigureOut">
               <a:rPr kumimoji="1" lang="ja-JP" altLang="en-US" smtClean="0"/>
-              <a:t>2021/7/14</a:t>
+              <a:t>2021/11/18</a:t>
             </a:fld>
             <a:endParaRPr kumimoji="1" lang="ja-JP" altLang="en-US"/>
           </a:p>
@@ -2925,7 +2926,7 @@
           <a:p>
             <a:fld id="{2BCEBECE-6873-41C3-B824-8CBA8108F9EC}" type="datetimeFigureOut">
               <a:rPr kumimoji="1" lang="ja-JP" altLang="en-US" smtClean="0"/>
-              <a:t>2021/7/14</a:t>
+              <a:t>2021/11/18</a:t>
             </a:fld>
             <a:endParaRPr kumimoji="1" lang="ja-JP" altLang="en-US"/>
           </a:p>
@@ -3198,7 +3199,7 @@
           <a:p>
             <a:fld id="{2BCEBECE-6873-41C3-B824-8CBA8108F9EC}" type="datetimeFigureOut">
               <a:rPr kumimoji="1" lang="ja-JP" altLang="en-US" smtClean="0"/>
-              <a:t>2021/7/14</a:t>
+              <a:t>2021/11/18</a:t>
             </a:fld>
             <a:endParaRPr kumimoji="1" lang="ja-JP" altLang="en-US"/>
           </a:p>
@@ -6381,6 +6382,101 @@
 </p:sld>
 </file>
 
+<file path=ppt/slides/slide3.xml><?xml version="1.0" encoding="utf-8"?>
+<p:sld xmlns:a="http://schemas.openxmlformats.org/drawingml/2006/main" xmlns:r="http://schemas.openxmlformats.org/officeDocument/2006/relationships" xmlns:p="http://schemas.openxmlformats.org/presentationml/2006/main">
+  <p:cSld>
+    <p:spTree>
+      <p:nvGrpSpPr>
+        <p:cNvPr id="1" name=""/>
+        <p:cNvGrpSpPr/>
+        <p:nvPr/>
+      </p:nvGrpSpPr>
+      <p:grpSpPr>
+        <a:xfrm>
+          <a:off x="0" y="0"/>
+          <a:ext cx="0" cy="0"/>
+          <a:chOff x="0" y="0"/>
+          <a:chExt cx="0" cy="0"/>
+        </a:xfrm>
+      </p:grpSpPr>
+      <p:pic>
+        <p:nvPicPr>
+          <p:cNvPr id="2" name="図 1">
+            <a:extLst>
+              <a:ext uri="{FF2B5EF4-FFF2-40B4-BE49-F238E27FC236}">
+                <a16:creationId xmlns:a16="http://schemas.microsoft.com/office/drawing/2014/main" id="{5CD11974-76F7-4121-B46F-2577F9860A0F}"/>
+              </a:ext>
+            </a:extLst>
+          </p:cNvPr>
+          <p:cNvPicPr>
+            <a:picLocks noChangeAspect="1"/>
+          </p:cNvPicPr>
+          <p:nvPr/>
+        </p:nvPicPr>
+        <p:blipFill>
+          <a:blip r:embed="rId2"/>
+          <a:stretch>
+            <a:fillRect/>
+          </a:stretch>
+        </p:blipFill>
+        <p:spPr>
+          <a:xfrm>
+            <a:off x="1130285" y="1345842"/>
+            <a:ext cx="9339829" cy="3612051"/>
+          </a:xfrm>
+          <a:prstGeom prst="rect">
+            <a:avLst/>
+          </a:prstGeom>
+        </p:spPr>
+      </p:pic>
+      <p:sp>
+        <p:nvSpPr>
+          <p:cNvPr id="3" name="テキスト ボックス 2">
+            <a:extLst>
+              <a:ext uri="{FF2B5EF4-FFF2-40B4-BE49-F238E27FC236}">
+                <a16:creationId xmlns:a16="http://schemas.microsoft.com/office/drawing/2014/main" id="{C9E98D9A-D0E6-4A74-88FB-FB0388833ED4}"/>
+              </a:ext>
+            </a:extLst>
+          </p:cNvPr>
+          <p:cNvSpPr txBox="1"/>
+          <p:nvPr/>
+        </p:nvSpPr>
+        <p:spPr>
+          <a:xfrm>
+            <a:off x="4375512" y="536786"/>
+            <a:ext cx="3266859" cy="369332"/>
+          </a:xfrm>
+          <a:prstGeom prst="rect">
+            <a:avLst/>
+          </a:prstGeom>
+          <a:noFill/>
+        </p:spPr>
+        <p:txBody>
+          <a:bodyPr wrap="square">
+            <a:spAutoFit/>
+          </a:bodyPr>
+          <a:lstStyle/>
+          <a:p>
+            <a:r>
+              <a:rPr lang="ja-JP" altLang="en-US" dirty="0"/>
+              <a:t>table_DHW_Appendix_F_1</a:t>
+            </a:r>
+          </a:p>
+        </p:txBody>
+      </p:sp>
+    </p:spTree>
+    <p:extLst>
+      <p:ext uri="{BB962C8B-B14F-4D97-AF65-F5344CB8AC3E}">
+        <p14:creationId xmlns:p14="http://schemas.microsoft.com/office/powerpoint/2010/main" val="2477147918"/>
+      </p:ext>
+    </p:extLst>
+  </p:cSld>
+  <p:clrMapOvr>
+    <a:masterClrMapping/>
+  </p:clrMapOvr>
+</p:sld>
+</file>
+
 <file path=ppt/theme/theme1.xml><?xml version="1.0" encoding="utf-8"?>
 <a:theme xmlns:a="http://schemas.openxmlformats.org/drawingml/2006/main" name="Office テーマ">
   <a:themeElements>
